--- a/hedgeable_arch.pptx
+++ b/hedgeable_arch.pptx
@@ -247,7 +247,7 @@
           <a:p>
             <a:fld id="{49CA14CD-848F-AD41-81C7-621FEDDEB0BA}" type="datetimeFigureOut">
               <a:rPr lang="en-US" smtClean="0"/>
-              <a:t>8/7/17</a:t>
+              <a:t>8/8/17</a:t>
             </a:fld>
             <a:endParaRPr lang="en-US"/>
           </a:p>
@@ -417,7 +417,7 @@
           <a:p>
             <a:fld id="{49CA14CD-848F-AD41-81C7-621FEDDEB0BA}" type="datetimeFigureOut">
               <a:rPr lang="en-US" smtClean="0"/>
-              <a:t>8/7/17</a:t>
+              <a:t>8/8/17</a:t>
             </a:fld>
             <a:endParaRPr lang="en-US"/>
           </a:p>
@@ -597,7 +597,7 @@
           <a:p>
             <a:fld id="{49CA14CD-848F-AD41-81C7-621FEDDEB0BA}" type="datetimeFigureOut">
               <a:rPr lang="en-US" smtClean="0"/>
-              <a:t>8/7/17</a:t>
+              <a:t>8/8/17</a:t>
             </a:fld>
             <a:endParaRPr lang="en-US"/>
           </a:p>
@@ -767,7 +767,7 @@
           <a:p>
             <a:fld id="{49CA14CD-848F-AD41-81C7-621FEDDEB0BA}" type="datetimeFigureOut">
               <a:rPr lang="en-US" smtClean="0"/>
-              <a:t>8/7/17</a:t>
+              <a:t>8/8/17</a:t>
             </a:fld>
             <a:endParaRPr lang="en-US"/>
           </a:p>
@@ -1013,7 +1013,7 @@
           <a:p>
             <a:fld id="{49CA14CD-848F-AD41-81C7-621FEDDEB0BA}" type="datetimeFigureOut">
               <a:rPr lang="en-US" smtClean="0"/>
-              <a:t>8/7/17</a:t>
+              <a:t>8/8/17</a:t>
             </a:fld>
             <a:endParaRPr lang="en-US"/>
           </a:p>
@@ -1245,7 +1245,7 @@
           <a:p>
             <a:fld id="{49CA14CD-848F-AD41-81C7-621FEDDEB0BA}" type="datetimeFigureOut">
               <a:rPr lang="en-US" smtClean="0"/>
-              <a:t>8/7/17</a:t>
+              <a:t>8/8/17</a:t>
             </a:fld>
             <a:endParaRPr lang="en-US"/>
           </a:p>
@@ -1612,7 +1612,7 @@
           <a:p>
             <a:fld id="{49CA14CD-848F-AD41-81C7-621FEDDEB0BA}" type="datetimeFigureOut">
               <a:rPr lang="en-US" smtClean="0"/>
-              <a:t>8/7/17</a:t>
+              <a:t>8/8/17</a:t>
             </a:fld>
             <a:endParaRPr lang="en-US"/>
           </a:p>
@@ -1730,7 +1730,7 @@
           <a:p>
             <a:fld id="{49CA14CD-848F-AD41-81C7-621FEDDEB0BA}" type="datetimeFigureOut">
               <a:rPr lang="en-US" smtClean="0"/>
-              <a:t>8/7/17</a:t>
+              <a:t>8/8/17</a:t>
             </a:fld>
             <a:endParaRPr lang="en-US"/>
           </a:p>
@@ -1825,7 +1825,7 @@
           <a:p>
             <a:fld id="{49CA14CD-848F-AD41-81C7-621FEDDEB0BA}" type="datetimeFigureOut">
               <a:rPr lang="en-US" smtClean="0"/>
-              <a:t>8/7/17</a:t>
+              <a:t>8/8/17</a:t>
             </a:fld>
             <a:endParaRPr lang="en-US"/>
           </a:p>
@@ -2102,7 +2102,7 @@
           <a:p>
             <a:fld id="{49CA14CD-848F-AD41-81C7-621FEDDEB0BA}" type="datetimeFigureOut">
               <a:rPr lang="en-US" smtClean="0"/>
-              <a:t>8/7/17</a:t>
+              <a:t>8/8/17</a:t>
             </a:fld>
             <a:endParaRPr lang="en-US"/>
           </a:p>
@@ -2355,7 +2355,7 @@
           <a:p>
             <a:fld id="{49CA14CD-848F-AD41-81C7-621FEDDEB0BA}" type="datetimeFigureOut">
               <a:rPr lang="en-US" smtClean="0"/>
-              <a:t>8/7/17</a:t>
+              <a:t>8/8/17</a:t>
             </a:fld>
             <a:endParaRPr lang="en-US"/>
           </a:p>
@@ -2568,7 +2568,7 @@
           <a:p>
             <a:fld id="{49CA14CD-848F-AD41-81C7-621FEDDEB0BA}" type="datetimeFigureOut">
               <a:rPr lang="en-US" smtClean="0"/>
-              <a:t>8/7/17</a:t>
+              <a:t>8/8/17</a:t>
             </a:fld>
             <a:endParaRPr lang="en-US"/>
           </a:p>
@@ -3089,36 +3089,6 @@
           </a:p>
         </p:txBody>
       </p:sp>
-      <p:pic>
-        <p:nvPicPr>
-          <p:cNvPr id="13" name="Picture 12" descr="Final Logo (Rectangle).ai"/>
-          <p:cNvPicPr>
-            <a:picLocks noChangeAspect="1"/>
-          </p:cNvPicPr>
-          <p:nvPr/>
-        </p:nvPicPr>
-        <p:blipFill>
-          <a:blip r:embed="rId2">
-            <a:extLst>
-              <a:ext uri="{28A0092B-C50C-407E-A947-70E740481C1C}">
-                <a14:useLocalDpi xmlns:a14="http://schemas.microsoft.com/office/drawing/2010/main" val="0"/>
-              </a:ext>
-            </a:extLst>
-          </a:blip>
-          <a:stretch>
-            <a:fillRect/>
-          </a:stretch>
-        </p:blipFill>
-        <p:spPr>
-          <a:xfrm>
-            <a:off x="410682" y="350389"/>
-            <a:ext cx="2286698" cy="462678"/>
-          </a:xfrm>
-          <a:prstGeom prst="rect">
-            <a:avLst/>
-          </a:prstGeom>
-        </p:spPr>
-      </p:pic>
       <p:sp>
         <p:nvSpPr>
           <p:cNvPr id="6" name="Right Arrow 5"/>
@@ -3395,7 +3365,7 @@
               <p:nvPr/>
             </p:nvPicPr>
             <p:blipFill>
-              <a:blip r:embed="rId3">
+              <a:blip r:embed="rId2">
                 <a:extLst>
                   <a:ext uri="{28A0092B-C50C-407E-A947-70E740481C1C}">
                     <a14:useLocalDpi xmlns:a14="http://schemas.microsoft.com/office/drawing/2010/main" val="0"/>
@@ -3486,7 +3456,7 @@
             <p:nvPr/>
           </p:nvPicPr>
           <p:blipFill>
-            <a:blip r:embed="rId3">
+            <a:blip r:embed="rId2">
               <a:extLst>
                 <a:ext uri="{28A0092B-C50C-407E-A947-70E740481C1C}">
                   <a14:useLocalDpi xmlns:a14="http://schemas.microsoft.com/office/drawing/2010/main" val="0"/>
@@ -3516,7 +3486,7 @@
             <p:nvPr/>
           </p:nvPicPr>
           <p:blipFill>
-            <a:blip r:embed="rId3">
+            <a:blip r:embed="rId2">
               <a:extLst>
                 <a:ext uri="{28A0092B-C50C-407E-A947-70E740481C1C}">
                   <a14:useLocalDpi xmlns:a14="http://schemas.microsoft.com/office/drawing/2010/main" val="0"/>
@@ -5588,15 +5558,7 @@
                       <a:srgbClr val="000000"/>
                     </a:solidFill>
                   </a:rPr>
-                  <a:t>Hydrogen </a:t>
-                </a:r>
-                <a:r>
-                  <a:rPr lang="en-US" b="1" dirty="0" smtClean="0">
-                    <a:solidFill>
-                      <a:srgbClr val="000000"/>
-                    </a:solidFill>
-                  </a:rPr>
-                  <a:t>Platform</a:t>
+                  <a:t>Hydrogen Platform</a:t>
                 </a:r>
                 <a:r>
                   <a:rPr lang="en-US" b="1" baseline="30000" dirty="0" smtClean="0">
@@ -5606,11 +5568,6 @@
                   </a:rPr>
                   <a:t>+</a:t>
                 </a:r>
-                <a:endParaRPr lang="en-US" b="1" baseline="30000" dirty="0" smtClean="0">
-                  <a:solidFill>
-                    <a:srgbClr val="000000"/>
-                  </a:solidFill>
-                </a:endParaRPr>
               </a:p>
               <a:p>
                 <a:endParaRPr lang="en-US" b="1" dirty="0" smtClean="0">
@@ -6926,21 +6883,8 @@
                   <a:srgbClr val="000000"/>
                 </a:solidFill>
               </a:rPr>
-              <a:t>Hydrogen </a:t>
-            </a:r>
-            <a:r>
-              <a:rPr lang="en-US" b="1" dirty="0" smtClean="0">
-                <a:solidFill>
-                  <a:srgbClr val="000000"/>
-                </a:solidFill>
-              </a:rPr>
-              <a:t>Platform</a:t>
-            </a:r>
-            <a:endParaRPr lang="en-US" b="1" dirty="0" smtClean="0">
-              <a:solidFill>
-                <a:srgbClr val="000000"/>
-              </a:solidFill>
-            </a:endParaRPr>
+              <a:t>Hydrogen Platform</a:t>
+            </a:r>
           </a:p>
           <a:p>
             <a:endParaRPr lang="en-US" b="1" dirty="0">
@@ -8194,12 +8138,6 @@
               </a:rPr>
               <a:t>Support</a:t>
             </a:r>
-            <a:endParaRPr lang="en-US" sz="1200" dirty="0" smtClean="0">
-              <a:solidFill>
-                <a:srgbClr val="000000"/>
-              </a:solidFill>
-              <a:latin typeface="Calibri" charset="0"/>
-            </a:endParaRPr>
           </a:p>
         </p:txBody>
       </p:sp>
@@ -8425,12 +8363,6 @@
               </a:rPr>
               <a:t>Sub-goals</a:t>
             </a:r>
-            <a:endParaRPr lang="en-US" sz="1200" dirty="0" smtClean="0">
-              <a:solidFill>
-                <a:srgbClr val="000000"/>
-              </a:solidFill>
-              <a:latin typeface="Calibri" charset="0"/>
-            </a:endParaRPr>
           </a:p>
         </p:txBody>
       </p:sp>
@@ -8686,12 +8618,6 @@
               </a:rPr>
               <a:t>Type and allowed answer for each question</a:t>
             </a:r>
-            <a:endParaRPr lang="en-US" sz="1200" i="1" dirty="0" smtClean="0">
-              <a:solidFill>
-                <a:srgbClr val="000000"/>
-              </a:solidFill>
-              <a:latin typeface="Calibri" charset="0"/>
-            </a:endParaRPr>
           </a:p>
         </p:txBody>
       </p:sp>
@@ -8812,12 +8738,6 @@
               </a:rPr>
               <a:t>Sync to model</a:t>
             </a:r>
-            <a:endParaRPr lang="en-US" sz="1200" dirty="0" smtClean="0">
-              <a:solidFill>
-                <a:srgbClr val="000000"/>
-              </a:solidFill>
-              <a:latin typeface="Calibri" charset="0"/>
-            </a:endParaRPr>
           </a:p>
         </p:txBody>
       </p:sp>
@@ -8978,12 +8898,6 @@
               </a:rPr>
               <a:t>Composition</a:t>
             </a:r>
-            <a:endParaRPr lang="en-US" sz="1200" dirty="0" smtClean="0">
-              <a:solidFill>
-                <a:srgbClr val="000000"/>
-              </a:solidFill>
-              <a:latin typeface="Calibri" charset="0"/>
-            </a:endParaRPr>
           </a:p>
         </p:txBody>
       </p:sp>
@@ -9250,12 +9164,6 @@
               </a:rPr>
               <a:t>Historical holdings, balances, and transactions</a:t>
             </a:r>
-            <a:endParaRPr lang="en-US" sz="1200" dirty="0" smtClean="0">
-              <a:solidFill>
-                <a:srgbClr val="000000"/>
-              </a:solidFill>
-              <a:latin typeface="Calibri" charset="0"/>
-            </a:endParaRPr>
           </a:p>
         </p:txBody>
       </p:sp>
